--- a/training-cards/music moves/Scrum (SCR)/ger/apprentice/ger_SCR_13_Das_Sprintbacklog_MM_A.pptx
+++ b/training-cards/music moves/Scrum (SCR)/ger/apprentice/ger_SCR_13_Das_Sprintbacklog_MM_A.pptx
@@ -169,10 +169,9 @@
           </a:lstStyle>
           <a:p>
             <a:r>
-              <a:rPr lang="de-DE" dirty="0" smtClean="0"/>
+              <a:rPr lang="de-DE" dirty="0"/>
               <a:t>TITEL HINZUFÜGEN</a:t>
             </a:r>
-            <a:endParaRPr lang="de-DE" dirty="0"/>
           </a:p>
         </p:txBody>
       </p:sp>
@@ -203,35 +202,35 @@
           <a:p>
             <a:pPr lvl="0"/>
             <a:r>
-              <a:rPr lang="de-DE" smtClean="0"/>
+              <a:rPr lang="de-DE"/>
               <a:t>Mastertextformat bearbeiten</a:t>
             </a:r>
           </a:p>
           <a:p>
             <a:pPr lvl="1"/>
             <a:r>
-              <a:rPr lang="de-DE" smtClean="0"/>
+              <a:rPr lang="de-DE"/>
               <a:t>Zweite Ebene</a:t>
             </a:r>
           </a:p>
           <a:p>
             <a:pPr lvl="2"/>
             <a:r>
-              <a:rPr lang="de-DE" smtClean="0"/>
+              <a:rPr lang="de-DE"/>
               <a:t>Dritte Ebene</a:t>
             </a:r>
           </a:p>
           <a:p>
             <a:pPr lvl="3"/>
             <a:r>
-              <a:rPr lang="de-DE" smtClean="0"/>
+              <a:rPr lang="de-DE"/>
               <a:t>Vierte Ebene</a:t>
             </a:r>
           </a:p>
           <a:p>
             <a:pPr lvl="4"/>
             <a:r>
-              <a:rPr lang="de-DE" smtClean="0"/>
+              <a:rPr lang="de-DE"/>
               <a:t>Fünfte Ebene</a:t>
             </a:r>
             <a:endParaRPr lang="de-DE" dirty="0"/>
@@ -278,7 +277,7 @@
               <a:buNone/>
             </a:pPr>
             <a:r>
-              <a:rPr lang="de-DE" smtClean="0"/>
+              <a:rPr lang="de-DE"/>
               <a:t>Master-Untertitelformat bearbeiten</a:t>
             </a:r>
             <a:endParaRPr lang="de-DE" dirty="0"/>
@@ -394,35 +393,35 @@
           <a:p>
             <a:pPr lvl="0"/>
             <a:r>
-              <a:rPr lang="de-DE" smtClean="0"/>
+              <a:rPr lang="de-DE"/>
               <a:t>Mastertextformat bearbeiten</a:t>
             </a:r>
           </a:p>
           <a:p>
             <a:pPr lvl="1"/>
             <a:r>
-              <a:rPr lang="de-DE" smtClean="0"/>
+              <a:rPr lang="de-DE"/>
               <a:t>Zweite Ebene</a:t>
             </a:r>
           </a:p>
           <a:p>
             <a:pPr lvl="2"/>
             <a:r>
-              <a:rPr lang="de-DE" smtClean="0"/>
+              <a:rPr lang="de-DE"/>
               <a:t>Dritte Ebene</a:t>
             </a:r>
           </a:p>
           <a:p>
             <a:pPr lvl="3"/>
             <a:r>
-              <a:rPr lang="de-DE" smtClean="0"/>
+              <a:rPr lang="de-DE"/>
               <a:t>Vierte Ebene</a:t>
             </a:r>
           </a:p>
           <a:p>
             <a:pPr lvl="4"/>
             <a:r>
-              <a:rPr lang="de-DE" smtClean="0"/>
+              <a:rPr lang="de-DE"/>
               <a:t>Fünfte Ebene</a:t>
             </a:r>
             <a:endParaRPr lang="de-DE" dirty="0"/>
@@ -452,7 +451,7 @@
           <a:lstStyle/>
           <a:p>
             <a:r>
-              <a:rPr lang="de-DE" sz="2400" dirty="0" smtClean="0">
+              <a:rPr lang="de-DE" sz="2400" dirty="0">
                 <a:solidFill>
                   <a:srgbClr val="7E006B"/>
                 </a:solidFill>
@@ -462,7 +461,7 @@
               <a:t>TRAININGS</a:t>
             </a:r>
             <a:r>
-              <a:rPr lang="de-DE" sz="2400" dirty="0" smtClean="0">
+              <a:rPr lang="de-DE" sz="2400" dirty="0">
                 <a:solidFill>
                   <a:srgbClr val="7E006B"/>
                 </a:solidFill>
@@ -530,7 +529,7 @@
           </a:ln>
           <a:extLst>
             <a:ext uri="{C572A759-6A51-4108-AA02-DFA0A04FC94B}">
-              <ma14:wrappingTextBoxFlag xmlns:ma14="http://schemas.microsoft.com/office/mac/drawingml/2011/main" val="1"/>
+              <ma14:wrappingTextBoxFlag xmlns:ma14="http://schemas.microsoft.com/office/mac/drawingml/2011/main" xmlns="" val="1"/>
             </a:ext>
           </a:extLst>
         </p:spPr>
@@ -576,9 +575,7 @@
           <p:nvPr userDrawn="1"/>
         </p:nvPicPr>
         <p:blipFill>
-          <a:blip r:embed="rId4">
-            <a:extLst/>
-          </a:blip>
+          <a:blip r:embed="rId4"/>
           <a:stretch>
             <a:fillRect/>
           </a:stretch>
@@ -636,7 +633,7 @@
                 <a:latin typeface="Avenir Light"/>
                 <a:cs typeface="Avenir Light"/>
               </a:rPr>
-              <a:t>20.02.16</a:t>
+              <a:t>19.07.23</a:t>
             </a:fld>
             <a:endParaRPr lang="de-DE" sz="600" dirty="0">
               <a:solidFill>
@@ -694,10 +691,9 @@
           <a:lstStyle/>
           <a:p>
             <a:r>
-              <a:rPr lang="de-DE" smtClean="0"/>
+              <a:rPr lang="de-DE"/>
               <a:t>Mastertitelformat bearbeiten</a:t>
             </a:r>
-            <a:endParaRPr lang="de-DE"/>
           </a:p>
         </p:txBody>
       </p:sp>
@@ -718,7 +714,7 @@
           <a:p>
             <a:fld id="{FF5B2BAF-DF38-0A48-A798-0C06E514FD52}" type="datetimeFigureOut">
               <a:rPr lang="de-DE" smtClean="0"/>
-              <a:t>20.02.16</a:t>
+              <a:t>19.07.23</a:t>
             </a:fld>
             <a:endParaRPr lang="de-DE" dirty="0"/>
           </a:p>
@@ -829,17 +825,16 @@
           <a:p>
             <a:pPr marL="0" lvl="0" algn="l"/>
             <a:r>
-              <a:rPr lang="de-DE" dirty="0" smtClean="0"/>
+              <a:rPr lang="de-DE" dirty="0"/>
               <a:t>Überschrift </a:t>
             </a:r>
             <a:br>
-              <a:rPr lang="de-DE" dirty="0" smtClean="0"/>
+              <a:rPr lang="de-DE" dirty="0"/>
             </a:br>
             <a:r>
-              <a:rPr lang="de-DE" dirty="0" smtClean="0"/>
+              <a:rPr lang="de-DE" dirty="0"/>
               <a:t>bearbeiten </a:t>
             </a:r>
-            <a:endParaRPr lang="de-DE" dirty="0"/>
           </a:p>
         </p:txBody>
       </p:sp>
@@ -870,38 +865,37 @@
           <a:p>
             <a:pPr lvl="0"/>
             <a:r>
-              <a:rPr lang="de-DE" dirty="0" smtClean="0"/>
+              <a:rPr lang="de-DE" dirty="0"/>
               <a:t>Mastertextformat bearbeiten</a:t>
             </a:r>
           </a:p>
           <a:p>
             <a:pPr lvl="1"/>
             <a:r>
-              <a:rPr lang="de-DE" dirty="0" smtClean="0"/>
+              <a:rPr lang="de-DE" dirty="0"/>
               <a:t>Zweite Ebene</a:t>
             </a:r>
           </a:p>
           <a:p>
             <a:pPr lvl="2"/>
             <a:r>
-              <a:rPr lang="de-DE" dirty="0" smtClean="0"/>
+              <a:rPr lang="de-DE" dirty="0"/>
               <a:t>Dritte Ebene</a:t>
             </a:r>
           </a:p>
           <a:p>
             <a:pPr lvl="3"/>
             <a:r>
-              <a:rPr lang="de-DE" dirty="0" smtClean="0"/>
+              <a:rPr lang="de-DE" dirty="0"/>
               <a:t>Vierte Ebene</a:t>
             </a:r>
           </a:p>
           <a:p>
             <a:pPr lvl="4"/>
             <a:r>
-              <a:rPr lang="de-DE" dirty="0" smtClean="0"/>
+              <a:rPr lang="de-DE" dirty="0"/>
               <a:t>Fünfte Ebene</a:t>
             </a:r>
-            <a:endParaRPr lang="de-DE" dirty="0"/>
           </a:p>
         </p:txBody>
       </p:sp>
@@ -940,7 +934,7 @@
           <a:p>
             <a:fld id="{FF5B2BAF-DF38-0A48-A798-0C06E514FD52}" type="datetimeFigureOut">
               <a:rPr lang="de-DE" smtClean="0"/>
-              <a:t>20.02.16</a:t>
+              <a:t>19.07.23</a:t>
             </a:fld>
             <a:endParaRPr lang="de-DE" dirty="0"/>
           </a:p>
@@ -1174,7 +1168,7 @@
           <a:lstStyle/>
           <a:p>
             <a:r>
-              <a:rPr lang="de-DE" sz="1050" b="1" dirty="0" smtClean="0">
+              <a:rPr lang="de-DE" sz="1050" b="1" dirty="0">
                 <a:solidFill>
                   <a:schemeClr val="bg1"/>
                 </a:solidFill>
@@ -1184,7 +1178,7 @@
               <a:t>TRAININGSKARTE</a:t>
             </a:r>
             <a:r>
-              <a:rPr lang="de-DE" sz="1050" dirty="0" smtClean="0">
+              <a:rPr lang="de-DE" sz="1050" dirty="0">
                 <a:solidFill>
                   <a:schemeClr val="bg1"/>
                 </a:solidFill>
@@ -1194,7 +1188,7 @@
               <a:t> </a:t>
             </a:r>
             <a:r>
-              <a:rPr lang="de-DE" sz="1050" b="1" dirty="0" smtClean="0">
+              <a:rPr lang="de-DE" sz="1050" b="1" dirty="0">
                 <a:solidFill>
                   <a:schemeClr val="bg1"/>
                 </a:solidFill>
@@ -1204,7 +1198,7 @@
               <a:t>SCR</a:t>
             </a:r>
             <a:r>
-              <a:rPr lang="de-DE" sz="1050" b="1" baseline="0" dirty="0" smtClean="0">
+              <a:rPr lang="de-DE" sz="1050" b="1" baseline="0" dirty="0">
                 <a:solidFill>
                   <a:schemeClr val="bg1"/>
                 </a:solidFill>
@@ -1214,7 +1208,7 @@
               <a:t> 1</a:t>
             </a:r>
             <a:r>
-              <a:rPr lang="de-DE" sz="1050" b="1" dirty="0" smtClean="0">
+              <a:rPr lang="de-DE" sz="1050" b="1" dirty="0">
                 <a:solidFill>
                   <a:schemeClr val="bg1"/>
                 </a:solidFill>
@@ -1223,13 +1217,6 @@
               </a:rPr>
               <a:t>3</a:t>
             </a:r>
-            <a:endParaRPr lang="de-DE" sz="1050" b="1" dirty="0">
-              <a:solidFill>
-                <a:schemeClr val="bg1"/>
-              </a:solidFill>
-              <a:latin typeface="Avenir Heavy"/>
-              <a:cs typeface="Avenir Heavy"/>
-            </a:endParaRPr>
           </a:p>
         </p:txBody>
       </p:sp>
@@ -1612,17 +1599,16 @@
           <a:lstStyle/>
           <a:p>
             <a:r>
-              <a:rPr lang="de-DE" dirty="0" smtClean="0">
+              <a:rPr lang="de-DE" dirty="0">
                 <a:latin typeface="Avenir Heavy"/>
                 <a:cs typeface="Avenir Heavy"/>
               </a:rPr>
               <a:t>DAS SPRINT</a:t>
             </a:r>
             <a:r>
-              <a:rPr lang="de-DE" dirty="0" smtClean="0"/>
+              <a:rPr lang="de-DE" dirty="0"/>
               <a:t>BACKLOG</a:t>
             </a:r>
-            <a:endParaRPr lang="de-DE" dirty="0"/>
           </a:p>
         </p:txBody>
       </p:sp>
@@ -1645,15 +1631,7 @@
           <a:p>
             <a:r>
               <a:rPr lang="de-DE" sz="1200" dirty="0"/>
-              <a:t>Im </a:t>
-            </a:r>
-            <a:r>
-              <a:rPr lang="de-DE" sz="1200" dirty="0" smtClean="0"/>
-              <a:t>Softwareframework </a:t>
-            </a:r>
-            <a:r>
-              <a:rPr lang="de-DE" sz="1200" dirty="0"/>
-              <a:t>"</a:t>
+              <a:t>Im Softwareframework "</a:t>
             </a:r>
             <a:r>
               <a:rPr lang="de-DE" sz="1200" dirty="0" err="1"/>
@@ -1661,15 +1639,7 @@
             </a:r>
             <a:r>
               <a:rPr lang="de-DE" sz="1200" dirty="0"/>
-              <a:t>" </a:t>
-            </a:r>
-            <a:r>
-              <a:rPr lang="de-DE" sz="1200" dirty="0" smtClean="0"/>
-              <a:t>wird </a:t>
-            </a:r>
-            <a:r>
-              <a:rPr lang="de-DE" sz="1200" dirty="0"/>
-              <a:t>zwischen einem "</a:t>
+              <a:t>" wird zwischen einem "</a:t>
             </a:r>
             <a:r>
               <a:rPr lang="de-DE" sz="1200" dirty="0" err="1"/>
@@ -1677,6 +1647,14 @@
             </a:r>
             <a:r>
               <a:rPr lang="de-DE" sz="1200" dirty="0"/>
+              <a:t> Backlog" und einem "Sprint Backlog" unterschieden, wobei das </a:t>
+            </a:r>
+            <a:r>
+              <a:rPr lang="de-DE" sz="1200" dirty="0" err="1"/>
+              <a:t>Product</a:t>
+            </a:r>
+            <a:r>
+              <a:rPr lang="de-DE" sz="1200" dirty="0"/>
               <a:t> </a:t>
             </a:r>
             <a:r>
@@ -1685,7 +1663,7 @@
             </a:r>
             <a:r>
               <a:rPr lang="de-DE" sz="1200" dirty="0"/>
-              <a:t>" und einem "Sprint </a:t>
+              <a:t> alle Aufgaben umfasst, die gerade aktuell sind und das Sprint </a:t>
             </a:r>
             <a:r>
               <a:rPr lang="de-DE" sz="1200" dirty="0" err="1"/>
@@ -1693,7 +1671,29 @@
             </a:r>
             <a:r>
               <a:rPr lang="de-DE" sz="1200" dirty="0"/>
-              <a:t>" unterschieden, wobei das </a:t>
+              <a:t> nur die Aufgaben enthält, die man in einem festgesetzten Zeitfenster </a:t>
+            </a:r>
+            <a:r>
+              <a:rPr lang="de-DE" sz="1200"/>
+              <a:t>(1-4 Wochen</a:t>
+            </a:r>
+            <a:r>
+              <a:rPr lang="de-DE" sz="1200" dirty="0"/>
+              <a:t>) erledigen möchte.</a:t>
+            </a:r>
+          </a:p>
+          <a:p>
+            <a:r>
+              <a:rPr lang="de-DE" sz="1200" dirty="0"/>
+              <a:t>Das Sprint </a:t>
+            </a:r>
+            <a:r>
+              <a:rPr lang="de-DE" sz="1200" dirty="0" err="1"/>
+              <a:t>Backlog</a:t>
+            </a:r>
+            <a:r>
+              <a:rPr lang="de-DE" sz="1200" dirty="0"/>
+              <a:t> wird aus dem </a:t>
             </a:r>
             <a:r>
               <a:rPr lang="de-DE" sz="1200" dirty="0" err="1"/>
@@ -1709,7 +1709,15 @@
             </a:r>
             <a:r>
               <a:rPr lang="de-DE" sz="1200" dirty="0"/>
-              <a:t> alle Aufgaben umfasst, die gerade aktuell sind und das Sprint </a:t>
+              <a:t> gespeist, indem so viele Aufgaben vom </a:t>
+            </a:r>
+            <a:r>
+              <a:rPr lang="de-DE" sz="1200" dirty="0" err="1"/>
+              <a:t>Product</a:t>
+            </a:r>
+            <a:r>
+              <a:rPr lang="de-DE" sz="1200" dirty="0"/>
+              <a:t> </a:t>
             </a:r>
             <a:r>
               <a:rPr lang="de-DE" sz="1200" dirty="0" err="1"/>
@@ -1717,13 +1725,7 @@
             </a:r>
             <a:r>
               <a:rPr lang="de-DE" sz="1200" dirty="0"/>
-              <a:t> nur die Aufgaben enthält, die man in einem festgesetzten Zeitfenster (1-4Wochen) erledigen möchte.</a:t>
-            </a:r>
-          </a:p>
-          <a:p>
-            <a:r>
-              <a:rPr lang="de-DE" sz="1200" dirty="0"/>
-              <a:t>Das Sprint </a:t>
+              <a:t> in das Sprint </a:t>
             </a:r>
             <a:r>
               <a:rPr lang="de-DE" sz="1200" dirty="0" err="1"/>
@@ -1731,7 +1733,27 @@
             </a:r>
             <a:r>
               <a:rPr lang="de-DE" sz="1200" dirty="0"/>
-              <a:t> wird aus dem </a:t>
+              <a:t> gepackt werden, solange man das Gefühl hat, dass es für die vorgesehene Zeitspanne locker zu schaffen ist.</a:t>
+            </a:r>
+          </a:p>
+          <a:p>
+            <a:r>
+              <a:rPr lang="de-DE" sz="1200" dirty="0"/>
+              <a:t>Die erste Aufgabe, die Dir zu viel erscheint, solltest Du schon nicht mehr in Dein Sprint </a:t>
+            </a:r>
+            <a:r>
+              <a:rPr lang="de-DE" sz="1200" dirty="0" err="1"/>
+              <a:t>Backlog</a:t>
+            </a:r>
+            <a:r>
+              <a:rPr lang="de-DE" sz="1200" dirty="0"/>
+              <a:t> mit aufnehmen.</a:t>
+            </a:r>
+          </a:p>
+          <a:p>
+            <a:r>
+              <a:rPr lang="de-DE" sz="1200" dirty="0"/>
+              <a:t>Die Priorisierung des </a:t>
             </a:r>
             <a:r>
               <a:rPr lang="de-DE" sz="1200" dirty="0" err="1"/>
@@ -1743,11 +1765,33 @@
             </a:r>
             <a:r>
               <a:rPr lang="de-DE" sz="1200" dirty="0" err="1"/>
+              <a:t>Backlogs</a:t>
+            </a:r>
+            <a:r>
+              <a:rPr lang="de-DE" sz="1200" dirty="0"/>
+              <a:t> bleibt auch im Sprint </a:t>
+            </a:r>
+            <a:r>
+              <a:rPr lang="de-DE" sz="1200" dirty="0" err="1"/>
               <a:t>Backlog</a:t>
             </a:r>
             <a:r>
               <a:rPr lang="de-DE" sz="1200" dirty="0"/>
-              <a:t> gespeist, indem so viele Aufgaben vom </a:t>
+              <a:t> erhalten, denn die hoch priorisierten Aufgaben wandern der Reihe nach von oben her ins Sprint </a:t>
+            </a:r>
+            <a:r>
+              <a:rPr lang="de-DE" sz="1200" dirty="0" err="1"/>
+              <a:t>Backlog</a:t>
+            </a:r>
+            <a:r>
+              <a:rPr lang="de-DE" sz="1200" dirty="0"/>
+              <a:t>.</a:t>
+            </a:r>
+          </a:p>
+          <a:p>
+            <a:r>
+              <a:rPr lang="de-DE" sz="1200" dirty="0"/>
+              <a:t>Wenn nach Ablauf des Sprints bzw. des festgelegten Zeitfensters noch Aufgaben übrig bleiben, wandern die Aufgaben automatisch wieder zurück ins </a:t>
             </a:r>
             <a:r>
               <a:rPr lang="de-DE" sz="1200" dirty="0" err="1"/>
@@ -1763,99 +1807,8 @@
             </a:r>
             <a:r>
               <a:rPr lang="de-DE" sz="1200" dirty="0"/>
-              <a:t> in das Sprint </a:t>
-            </a:r>
-            <a:r>
-              <a:rPr lang="de-DE" sz="1200" dirty="0" err="1"/>
-              <a:t>Backlog</a:t>
-            </a:r>
-            <a:r>
-              <a:rPr lang="de-DE" sz="1200" dirty="0"/>
-              <a:t> gepackt werden, solange man das Gefühl hat, dass es für die vorgesehene Zeitspanne locker zu schaffen ist.</a:t>
-            </a:r>
-          </a:p>
-          <a:p>
-            <a:r>
-              <a:rPr lang="de-DE" sz="1200" dirty="0"/>
-              <a:t>Die </a:t>
-            </a:r>
-            <a:r>
-              <a:rPr lang="de-DE" sz="1200" dirty="0" smtClean="0"/>
-              <a:t>erste </a:t>
-            </a:r>
-            <a:r>
-              <a:rPr lang="de-DE" sz="1200" dirty="0"/>
-              <a:t>Aufgabe, die Dir zu viel erscheint, solltest Du schon nicht mehr in Dein Sprint </a:t>
-            </a:r>
-            <a:r>
-              <a:rPr lang="de-DE" sz="1200" dirty="0" err="1"/>
-              <a:t>Backlog</a:t>
-            </a:r>
-            <a:r>
-              <a:rPr lang="de-DE" sz="1200" dirty="0"/>
-              <a:t> mit aufnehmen.</a:t>
-            </a:r>
-          </a:p>
-          <a:p>
-            <a:r>
-              <a:rPr lang="de-DE" sz="1200" dirty="0"/>
-              <a:t>Die Priorisierung des </a:t>
-            </a:r>
-            <a:r>
-              <a:rPr lang="de-DE" sz="1200" dirty="0" err="1"/>
-              <a:t>Product</a:t>
-            </a:r>
-            <a:r>
-              <a:rPr lang="de-DE" sz="1200" dirty="0"/>
-              <a:t> </a:t>
-            </a:r>
-            <a:r>
-              <a:rPr lang="de-DE" sz="1200" dirty="0" err="1"/>
-              <a:t>Backlogs</a:t>
-            </a:r>
-            <a:r>
-              <a:rPr lang="de-DE" sz="1200" dirty="0"/>
-              <a:t> bleibt auch im Sprint </a:t>
-            </a:r>
-            <a:r>
-              <a:rPr lang="de-DE" sz="1200" dirty="0" err="1"/>
-              <a:t>Backlog</a:t>
-            </a:r>
-            <a:r>
-              <a:rPr lang="de-DE" sz="1200" dirty="0"/>
-              <a:t> erhalten, denn die hoch priorisierten Aufgaben wandern der Reihe nach von oben her ins Sprint </a:t>
-            </a:r>
-            <a:r>
-              <a:rPr lang="de-DE" sz="1200" dirty="0" err="1"/>
-              <a:t>Backlog</a:t>
-            </a:r>
-            <a:r>
-              <a:rPr lang="de-DE" sz="1200" dirty="0"/>
-              <a:t>.</a:t>
-            </a:r>
-          </a:p>
-          <a:p>
-            <a:r>
-              <a:rPr lang="de-DE" sz="1200" dirty="0"/>
-              <a:t>Wenn nach Ablauf des Sprints bzw. des festgelegten Zeitfensters noch Aufgaben übrig bleiben, wandern die Aufgaben automatisch wieder zurück ins </a:t>
-            </a:r>
-            <a:r>
-              <a:rPr lang="de-DE" sz="1200" dirty="0" err="1"/>
-              <a:t>Product</a:t>
-            </a:r>
-            <a:r>
-              <a:rPr lang="de-DE" sz="1200" dirty="0"/>
-              <a:t> </a:t>
-            </a:r>
-            <a:r>
-              <a:rPr lang="de-DE" sz="1200" dirty="0" err="1"/>
-              <a:t>Backlog</a:t>
-            </a:r>
-            <a:r>
-              <a:rPr lang="de-DE" sz="1200" dirty="0"/>
               <a:t>, wobei die Priorisierung auch hier beibehalten wird.</a:t>
             </a:r>
-            <a:endParaRPr lang="de-DE" sz="1200" dirty="0"/>
           </a:p>
         </p:txBody>
       </p:sp>
@@ -1878,10 +1831,9 @@
               <a:buNone/>
             </a:pPr>
             <a:r>
-              <a:rPr lang="de-DE" dirty="0" smtClean="0"/>
+              <a:rPr lang="de-DE" dirty="0"/>
               <a:t>Regina Brandhuber</a:t>
             </a:r>
-            <a:endParaRPr lang="de-DE" dirty="0"/>
           </a:p>
         </p:txBody>
       </p:sp>
@@ -1962,14 +1914,14 @@
               <a:t>Backlog</a:t>
             </a:r>
             <a:r>
-              <a:rPr lang="de-DE" sz="1200" dirty="0" smtClean="0"/>
+              <a:rPr lang="de-DE" sz="1200" dirty="0"/>
               <a:t>.</a:t>
             </a:r>
             <a:br>
-              <a:rPr lang="de-DE" sz="1200" dirty="0" smtClean="0"/>
+              <a:rPr lang="de-DE" sz="1200" dirty="0"/>
             </a:br>
             <a:r>
-              <a:rPr lang="de-DE" sz="800" dirty="0" smtClean="0"/>
+              <a:rPr lang="de-DE" sz="800" dirty="0"/>
               <a:t> </a:t>
             </a:r>
             <a:endParaRPr lang="de-DE" sz="1200" dirty="0"/>
@@ -1982,14 +1934,10 @@
             </a:pPr>
             <a:r>
               <a:rPr lang="de-DE" sz="1200" dirty="0"/>
-              <a:t>Plane für jeden Sprint eine Woche als Zeitfenster</a:t>
-            </a:r>
-            <a:r>
-              <a:rPr lang="de-DE" sz="1200" dirty="0" smtClean="0"/>
-              <a:t>.</a:t>
+              <a:t>Plane für jeden Sprint eine Woche als Zeitfenster.</a:t>
             </a:r>
             <a:br>
-              <a:rPr lang="de-DE" sz="1200" dirty="0" smtClean="0"/>
+              <a:rPr lang="de-DE" sz="1200" dirty="0"/>
             </a:br>
             <a:r>
               <a:rPr lang="de-DE" sz="800" dirty="0"/>
@@ -2015,7 +1963,6 @@
               <a:rPr lang="de-DE" sz="1200" dirty="0"/>
               <a:t> zu Beginn und am Ende des Sprints und zeige es Deinem Team, damit sie Dich zertifizieren.</a:t>
             </a:r>
-            <a:endParaRPr lang="de-DE" sz="1200" dirty="0"/>
           </a:p>
         </p:txBody>
       </p:sp>

--- a/training-cards/music moves/Scrum (SCR)/ger/apprentice/ger_SCR_13_Das_Sprintbacklog_MM_A.pptx
+++ b/training-cards/music moves/Scrum (SCR)/ger/apprentice/ger_SCR_13_Das_Sprintbacklog_MM_A.pptx
@@ -512,14 +512,20 @@
       </p:pic>
       <p:sp>
         <p:nvSpPr>
-          <p:cNvPr id="5" name="Shape 7"/>
+          <p:cNvPr id="4" name="Shape 7">
+            <a:extLst>
+              <a:ext uri="{FF2B5EF4-FFF2-40B4-BE49-F238E27FC236}">
+                <a16:creationId xmlns:a16="http://schemas.microsoft.com/office/drawing/2014/main" id="{49C7C111-4254-1350-354B-16BE01DF2631}"/>
+              </a:ext>
+            </a:extLst>
+          </p:cNvPr>
           <p:cNvSpPr/>
           <p:nvPr userDrawn="1"/>
         </p:nvSpPr>
         <p:spPr>
           <a:xfrm>
-            <a:off x="1683417" y="4952581"/>
-            <a:ext cx="4196016" cy="276995"/>
+            <a:off x="971550" y="4689585"/>
+            <a:ext cx="4691860" cy="461661"/>
           </a:xfrm>
           <a:prstGeom prst="rect">
             <a:avLst/>
@@ -529,12 +535,12 @@
           </a:ln>
           <a:extLst>
             <a:ext uri="{C572A759-6A51-4108-AA02-DFA0A04FC94B}">
-              <ma14:wrappingTextBoxFlag xmlns:ma14="http://schemas.microsoft.com/office/mac/drawingml/2011/main" xmlns="" val="1"/>
+              <ma14:wrappingTextBoxFlag xmlns="" xmlns:ma14="http://schemas.microsoft.com/office/mac/drawingml/2011/main" val="1"/>
             </a:ext>
           </a:extLst>
         </p:spPr>
         <p:txBody>
-          <a:bodyPr wrap="none" lIns="45718" tIns="45718" rIns="45718" bIns="45718">
+          <a:bodyPr wrap="square" lIns="45718" tIns="45718" rIns="45718" bIns="45718">
             <a:spAutoFit/>
           </a:bodyPr>
           <a:lstStyle/>
@@ -543,47 +549,266 @@
               <a:defRPr sz="1800"/>
             </a:pPr>
             <a:r>
-              <a:rPr sz="600" dirty="0">
-                <a:latin typeface="Avenir Light"/>
+              <a:rPr lang="de-DE" sz="800" b="0" i="0" u="none" strike="noStrike" dirty="0" err="1">
+                <a:solidFill>
+                  <a:schemeClr val="tx1">
+                    <a:lumMod val="65000"/>
+                    <a:lumOff val="35000"/>
+                  </a:schemeClr>
+                </a:solidFill>
+                <a:effectLst/>
+                <a:latin typeface="Avenir Book" panose="02000503020000020003" pitchFamily="2" charset="0"/>
+              </a:rPr>
+              <a:t>music</a:t>
+            </a:r>
+            <a:r>
+              <a:rPr lang="de-DE" sz="800" b="0" i="0" u="none" strike="noStrike" dirty="0">
+                <a:solidFill>
+                  <a:schemeClr val="tx1">
+                    <a:lumMod val="65000"/>
+                    <a:lumOff val="35000"/>
+                  </a:schemeClr>
+                </a:solidFill>
+                <a:effectLst/>
+                <a:latin typeface="Avenir Book" panose="02000503020000020003" pitchFamily="2" charset="0"/>
+              </a:rPr>
+              <a:t> </a:t>
+            </a:r>
+            <a:r>
+              <a:rPr lang="de-DE" sz="800" b="0" i="0" u="none" strike="noStrike" dirty="0" err="1">
+                <a:solidFill>
+                  <a:schemeClr val="tx1">
+                    <a:lumMod val="65000"/>
+                    <a:lumOff val="35000"/>
+                  </a:schemeClr>
+                </a:solidFill>
+                <a:effectLst/>
+                <a:latin typeface="Avenir Book" panose="02000503020000020003" pitchFamily="2" charset="0"/>
+              </a:rPr>
+              <a:t>moves</a:t>
+            </a:r>
+            <a:r>
+              <a:rPr lang="de-DE" sz="800" b="0" i="0" u="none" strike="noStrike" dirty="0">
+                <a:solidFill>
+                  <a:schemeClr val="tx1">
+                    <a:lumMod val="65000"/>
+                    <a:lumOff val="35000"/>
+                  </a:schemeClr>
+                </a:solidFill>
+                <a:effectLst/>
+                <a:latin typeface="Avenir Book" panose="02000503020000020003" pitchFamily="2" charset="0"/>
+              </a:rPr>
+              <a:t>-Trainingskarten von Regina Brandhuber sind lizenziert unter einer Creative Commons </a:t>
+            </a:r>
+          </a:p>
+          <a:p>
+            <a:pPr lvl="0" algn="ctr">
+              <a:defRPr sz="1800"/>
+            </a:pPr>
+            <a:r>
+              <a:rPr lang="de-DE" sz="800" b="0" i="0" u="none" strike="noStrike" dirty="0">
+                <a:solidFill>
+                  <a:schemeClr val="tx1">
+                    <a:lumMod val="65000"/>
+                    <a:lumOff val="35000"/>
+                  </a:schemeClr>
+                </a:solidFill>
+                <a:effectLst/>
+                <a:latin typeface="Avenir Book" panose="02000503020000020003" pitchFamily="2" charset="0"/>
+              </a:rPr>
+              <a:t>Namensnennung-Nicht kommerziell 4.0 International Lizenz.</a:t>
+            </a:r>
+          </a:p>
+          <a:p>
+            <a:pPr lvl="0" algn="ctr">
+              <a:defRPr sz="1800"/>
+            </a:pPr>
+            <a:r>
+              <a:rPr lang="de-DE" sz="800" dirty="0">
+                <a:solidFill>
+                  <a:schemeClr val="tx1">
+                    <a:lumMod val="65000"/>
+                    <a:lumOff val="35000"/>
+                  </a:schemeClr>
+                </a:solidFill>
+                <a:latin typeface="Avenir Book" panose="02000503020000020003" pitchFamily="2" charset="0"/>
                 <a:ea typeface="Calibri"/>
                 <a:cs typeface="Avenir Light"/>
                 <a:sym typeface="Calibri"/>
               </a:rPr>
-              <a:t>This work is licensed under the Creative Commons Attribution-NonCommercial-NoDerivatives 4.0 International License. </a:t>
-            </a:r>
-          </a:p>
-          <a:p>
-            <a:pPr lvl="0" algn="ctr">
-              <a:defRPr sz="1800"/>
-            </a:pPr>
-            <a:r>
-              <a:rPr sz="600" dirty="0">
-                <a:latin typeface="Avenir Light"/>
+              <a:t>Nachzulesen unter:</a:t>
+            </a:r>
+            <a:r>
+              <a:rPr sz="800" dirty="0">
+                <a:solidFill>
+                  <a:schemeClr val="tx1">
+                    <a:lumMod val="65000"/>
+                    <a:lumOff val="35000"/>
+                  </a:schemeClr>
+                </a:solidFill>
+                <a:latin typeface="Avenir Book" panose="02000503020000020003" pitchFamily="2" charset="0"/>
                 <a:ea typeface="Calibri"/>
                 <a:cs typeface="Avenir Light"/>
                 <a:sym typeface="Calibri"/>
               </a:rPr>
-              <a:t>To view a copy of this license, visit http://creativecommons.org/licenses/by-nc-nd/4.0/.</a:t>
-            </a:r>
+              <a:t> </a:t>
+            </a:r>
+            <a:r>
+              <a:rPr lang="de-DE" sz="800" dirty="0">
+                <a:solidFill>
+                  <a:schemeClr val="tx1">
+                    <a:lumMod val="65000"/>
+                    <a:lumOff val="35000"/>
+                  </a:schemeClr>
+                </a:solidFill>
+                <a:latin typeface="Avenir Book" panose="02000503020000020003" pitchFamily="2" charset="0"/>
+                <a:ea typeface="Calibri"/>
+                <a:cs typeface="Avenir Light"/>
+                <a:sym typeface="Calibri"/>
+              </a:rPr>
+              <a:t>https://</a:t>
+            </a:r>
+            <a:r>
+              <a:rPr lang="de-DE" sz="800" dirty="0" err="1">
+                <a:solidFill>
+                  <a:schemeClr val="tx1">
+                    <a:lumMod val="65000"/>
+                    <a:lumOff val="35000"/>
+                  </a:schemeClr>
+                </a:solidFill>
+                <a:latin typeface="Avenir Book" panose="02000503020000020003" pitchFamily="2" charset="0"/>
+                <a:ea typeface="Calibri"/>
+                <a:cs typeface="Avenir Light"/>
+                <a:sym typeface="Calibri"/>
+              </a:rPr>
+              <a:t>creativecommons.org</a:t>
+            </a:r>
+            <a:r>
+              <a:rPr lang="de-DE" sz="800" dirty="0">
+                <a:solidFill>
+                  <a:schemeClr val="tx1">
+                    <a:lumMod val="65000"/>
+                    <a:lumOff val="35000"/>
+                  </a:schemeClr>
+                </a:solidFill>
+                <a:latin typeface="Avenir Book" panose="02000503020000020003" pitchFamily="2" charset="0"/>
+                <a:ea typeface="Calibri"/>
+                <a:cs typeface="Avenir Light"/>
+                <a:sym typeface="Calibri"/>
+              </a:rPr>
+              <a:t>/</a:t>
+            </a:r>
+            <a:r>
+              <a:rPr lang="de-DE" sz="800" dirty="0" err="1">
+                <a:solidFill>
+                  <a:schemeClr val="tx1">
+                    <a:lumMod val="65000"/>
+                    <a:lumOff val="35000"/>
+                  </a:schemeClr>
+                </a:solidFill>
+                <a:latin typeface="Avenir Book" panose="02000503020000020003" pitchFamily="2" charset="0"/>
+                <a:ea typeface="Calibri"/>
+                <a:cs typeface="Avenir Light"/>
+                <a:sym typeface="Calibri"/>
+              </a:rPr>
+              <a:t>licenses</a:t>
+            </a:r>
+            <a:r>
+              <a:rPr lang="de-DE" sz="800" dirty="0">
+                <a:solidFill>
+                  <a:schemeClr val="tx1">
+                    <a:lumMod val="65000"/>
+                    <a:lumOff val="35000"/>
+                  </a:schemeClr>
+                </a:solidFill>
+                <a:latin typeface="Avenir Book" panose="02000503020000020003" pitchFamily="2" charset="0"/>
+                <a:ea typeface="Calibri"/>
+                <a:cs typeface="Avenir Light"/>
+                <a:sym typeface="Calibri"/>
+              </a:rPr>
+              <a:t>/</a:t>
+            </a:r>
+            <a:r>
+              <a:rPr lang="de-DE" sz="800" dirty="0" err="1">
+                <a:solidFill>
+                  <a:schemeClr val="tx1">
+                    <a:lumMod val="65000"/>
+                    <a:lumOff val="35000"/>
+                  </a:schemeClr>
+                </a:solidFill>
+                <a:latin typeface="Avenir Book" panose="02000503020000020003" pitchFamily="2" charset="0"/>
+                <a:ea typeface="Calibri"/>
+                <a:cs typeface="Avenir Light"/>
+                <a:sym typeface="Calibri"/>
+              </a:rPr>
+              <a:t>by-nc</a:t>
+            </a:r>
+            <a:r>
+              <a:rPr lang="de-DE" sz="800" dirty="0">
+                <a:solidFill>
+                  <a:schemeClr val="tx1">
+                    <a:lumMod val="65000"/>
+                    <a:lumOff val="35000"/>
+                  </a:schemeClr>
+                </a:solidFill>
+                <a:latin typeface="Avenir Book" panose="02000503020000020003" pitchFamily="2" charset="0"/>
+                <a:ea typeface="Calibri"/>
+                <a:cs typeface="Avenir Light"/>
+                <a:sym typeface="Calibri"/>
+              </a:rPr>
+              <a:t>/4.0/</a:t>
+            </a:r>
+            <a:r>
+              <a:rPr lang="de-DE" sz="800" dirty="0" err="1">
+                <a:solidFill>
+                  <a:schemeClr val="tx1">
+                    <a:lumMod val="65000"/>
+                    <a:lumOff val="35000"/>
+                  </a:schemeClr>
+                </a:solidFill>
+                <a:latin typeface="Avenir Book" panose="02000503020000020003" pitchFamily="2" charset="0"/>
+                <a:ea typeface="Calibri"/>
+                <a:cs typeface="Avenir Light"/>
+                <a:sym typeface="Calibri"/>
+              </a:rPr>
+              <a:t>deed.de</a:t>
+            </a:r>
+            <a:endParaRPr sz="800" dirty="0">
+              <a:solidFill>
+                <a:schemeClr val="tx1">
+                  <a:lumMod val="65000"/>
+                  <a:lumOff val="35000"/>
+                </a:schemeClr>
+              </a:solidFill>
+              <a:latin typeface="Avenir Book" panose="02000503020000020003" pitchFamily="2" charset="0"/>
+              <a:ea typeface="Calibri"/>
+              <a:cs typeface="Avenir Light"/>
+              <a:sym typeface="Calibri"/>
+            </a:endParaRPr>
           </a:p>
         </p:txBody>
       </p:sp>
       <p:pic>
         <p:nvPicPr>
-          <p:cNvPr id="6" name="pasted-image.tif"/>
+          <p:cNvPr id="8" name="pasted-image.tif">
+            <a:extLst>
+              <a:ext uri="{FF2B5EF4-FFF2-40B4-BE49-F238E27FC236}">
+                <a16:creationId xmlns:a16="http://schemas.microsoft.com/office/drawing/2014/main" id="{436A4F20-3CD7-72D8-17E2-28A754DCDDCC}"/>
+              </a:ext>
+            </a:extLst>
+          </p:cNvPr>
           <p:cNvPicPr/>
           <p:nvPr userDrawn="1"/>
         </p:nvPicPr>
-        <p:blipFill>
+        <p:blipFill rotWithShape="1">
           <a:blip r:embed="rId4"/>
-          <a:stretch>
-            <a:fillRect/>
-          </a:stretch>
+          <a:srcRect r="24777" b="-3233"/>
+          <a:stretch/>
         </p:blipFill>
         <p:spPr>
           <a:xfrm>
-            <a:off x="6174185" y="4992838"/>
-            <a:ext cx="886619" cy="214128"/>
+            <a:off x="5724347" y="4733926"/>
+            <a:ext cx="1009828" cy="333374"/>
           </a:xfrm>
           <a:prstGeom prst="rect">
             <a:avLst/>
@@ -593,58 +818,6 @@
           </a:ln>
         </p:spPr>
       </p:pic>
-      <p:sp>
-        <p:nvSpPr>
-          <p:cNvPr id="7" name="Textfeld 6"/>
-          <p:cNvSpPr txBox="1"/>
-          <p:nvPr userDrawn="1"/>
-        </p:nvSpPr>
-        <p:spPr>
-          <a:xfrm>
-            <a:off x="239285" y="4936890"/>
-            <a:ext cx="1044856" cy="276999"/>
-          </a:xfrm>
-          <a:prstGeom prst="rect">
-            <a:avLst/>
-          </a:prstGeom>
-          <a:noFill/>
-        </p:spPr>
-        <p:txBody>
-          <a:bodyPr wrap="square" rtlCol="0">
-            <a:spAutoFit/>
-          </a:bodyPr>
-          <a:lstStyle/>
-          <a:p>
-            <a:r>
-              <a:rPr lang="de-DE" sz="600" dirty="0">
-                <a:solidFill>
-                  <a:srgbClr val="5D5E5F"/>
-                </a:solidFill>
-                <a:latin typeface="Avenir Light"/>
-                <a:cs typeface="Avenir Light"/>
-              </a:rPr>
-              <a:t>Letzte Änderung: </a:t>
-            </a:r>
-            <a:fld id="{7A8C7DAC-E536-564C-B5B3-90E8FAB50562}" type="datetime1">
-              <a:rPr lang="de-DE" sz="600" smtClean="0">
-                <a:solidFill>
-                  <a:srgbClr val="5D5E5F"/>
-                </a:solidFill>
-                <a:latin typeface="Avenir Light"/>
-                <a:cs typeface="Avenir Light"/>
-              </a:rPr>
-              <a:t>19.07.23</a:t>
-            </a:fld>
-            <a:endParaRPr lang="de-DE" sz="600" dirty="0">
-              <a:solidFill>
-                <a:srgbClr val="5D5E5F"/>
-              </a:solidFill>
-              <a:latin typeface="Avenir Light"/>
-              <a:cs typeface="Avenir Light"/>
-            </a:endParaRPr>
-          </a:p>
-        </p:txBody>
-      </p:sp>
     </p:spTree>
     <p:extLst>
       <p:ext uri="{BB962C8B-B14F-4D97-AF65-F5344CB8AC3E}">
@@ -714,7 +887,7 @@
           <a:p>
             <a:fld id="{FF5B2BAF-DF38-0A48-A798-0C06E514FD52}" type="datetimeFigureOut">
               <a:rPr lang="de-DE" smtClean="0"/>
-              <a:t>19.07.23</a:t>
+              <a:t>27.07.23</a:t>
             </a:fld>
             <a:endParaRPr lang="de-DE" dirty="0"/>
           </a:p>
@@ -934,7 +1107,7 @@
           <a:p>
             <a:fld id="{FF5B2BAF-DF38-0A48-A798-0C06E514FD52}" type="datetimeFigureOut">
               <a:rPr lang="de-DE" smtClean="0"/>
-              <a:t>19.07.23</a:t>
+              <a:t>27.07.23</a:t>
             </a:fld>
             <a:endParaRPr lang="de-DE" dirty="0"/>
           </a:p>

--- a/training-cards/music moves/Scrum (SCR)/ger/apprentice/ger_SCR_13_Das_Sprintbacklog_MM_A.pptx
+++ b/training-cards/music moves/Scrum (SCR)/ger/apprentice/ger_SCR_13_Das_Sprintbacklog_MM_A.pptx
@@ -535,7 +535,7 @@
           </a:ln>
           <a:extLst>
             <a:ext uri="{C572A759-6A51-4108-AA02-DFA0A04FC94B}">
-              <ma14:wrappingTextBoxFlag xmlns="" xmlns:ma14="http://schemas.microsoft.com/office/mac/drawingml/2011/main" val="1"/>
+              <ma14:wrappingTextBoxFlag xmlns:ma14="http://schemas.microsoft.com/office/mac/drawingml/2011/main" xmlns="" val="1"/>
             </a:ext>
           </a:extLst>
         </p:spPr>
@@ -887,7 +887,7 @@
           <a:p>
             <a:fld id="{FF5B2BAF-DF38-0A48-A798-0C06E514FD52}" type="datetimeFigureOut">
               <a:rPr lang="de-DE" smtClean="0"/>
-              <a:t>27.07.23</a:t>
+              <a:t>30.07.24</a:t>
             </a:fld>
             <a:endParaRPr lang="de-DE" dirty="0"/>
           </a:p>
@@ -1107,7 +1107,7 @@
           <a:p>
             <a:fld id="{FF5B2BAF-DF38-0A48-A798-0C06E514FD52}" type="datetimeFigureOut">
               <a:rPr lang="de-DE" smtClean="0"/>
-              <a:t>27.07.23</a:t>
+              <a:t>30.07.24</a:t>
             </a:fld>
             <a:endParaRPr lang="de-DE" dirty="0"/>
           </a:p>
@@ -1795,193 +1795,342 @@
             <p:ph idx="13"/>
           </p:nvPr>
         </p:nvSpPr>
-        <p:spPr/>
+        <p:spPr>
+          <a:xfrm>
+            <a:off x="858838" y="1568452"/>
+            <a:ext cx="6283107" cy="3762373"/>
+          </a:xfrm>
+        </p:spPr>
         <p:txBody>
           <a:bodyPr>
             <a:noAutofit/>
           </a:bodyPr>
           <a:lstStyle/>
           <a:p>
-            <a:r>
-              <a:rPr lang="de-DE" sz="1200" dirty="0"/>
-              <a:t>Im Softwareframework "</a:t>
-            </a:r>
-            <a:r>
-              <a:rPr lang="de-DE" sz="1200" dirty="0" err="1"/>
+            <a:pPr algn="just"/>
+            <a:r>
+              <a:rPr lang="de-DE" sz="1100" dirty="0"/>
+              <a:t>Im </a:t>
+            </a:r>
+            <a:r>
+              <a:rPr lang="de-DE" sz="1100"/>
+              <a:t>Softwareframework Scrum</a:t>
+            </a:r>
+            <a:r>
+              <a:rPr lang="de-DE" sz="1100" dirty="0"/>
+              <a:t> wird zwischen einem „</a:t>
+            </a:r>
+            <a:r>
+              <a:rPr lang="de-DE" sz="1100" dirty="0" err="1"/>
+              <a:t>Product</a:t>
+            </a:r>
+            <a:r>
+              <a:rPr lang="de-DE" sz="1100" dirty="0"/>
+              <a:t> Backlog“ (Sutherland/</a:t>
+            </a:r>
+            <a:r>
+              <a:rPr lang="de-DE" sz="1100" dirty="0" err="1"/>
+              <a:t>Schwaber</a:t>
+            </a:r>
+            <a:r>
+              <a:rPr lang="de-DE" sz="1100" dirty="0"/>
+              <a:t> 2020, S. 11) und einem „Sprint Backlog“ (Sutherland/</a:t>
+            </a:r>
+            <a:r>
+              <a:rPr lang="de-DE" sz="1100" dirty="0" err="1"/>
+              <a:t>Schwaber</a:t>
+            </a:r>
+            <a:r>
+              <a:rPr lang="de-DE" sz="1100" dirty="0"/>
+              <a:t> 2020, S. 12) unterschieden, wobei das </a:t>
+            </a:r>
+            <a:r>
+              <a:rPr lang="de-DE" sz="1100" dirty="0" err="1"/>
+              <a:t>Product</a:t>
+            </a:r>
+            <a:r>
+              <a:rPr lang="de-DE" sz="1100" dirty="0"/>
+              <a:t> Backlog alle Aufgaben umfasst, die gerade aktuell sind und das Sprint Backlog nur die Aufgaben enthält, die man in einem festgesetzten Zeitfenster (1-4 Wochen) erledigen möchte.</a:t>
+            </a:r>
+          </a:p>
+          <a:p>
+            <a:pPr algn="just"/>
+            <a:r>
+              <a:rPr lang="de-DE" sz="1100" dirty="0"/>
+              <a:t>Das Sprint Backlog wird aus dem </a:t>
+            </a:r>
+            <a:r>
+              <a:rPr lang="de-DE" sz="1100" dirty="0" err="1"/>
+              <a:t>Product</a:t>
+            </a:r>
+            <a:r>
+              <a:rPr lang="de-DE" sz="1100" dirty="0"/>
+              <a:t> Backlog gespeist, indem so viele Aufgaben vom </a:t>
+            </a:r>
+            <a:r>
+              <a:rPr lang="de-DE" sz="1100" dirty="0" err="1"/>
+              <a:t>Product</a:t>
+            </a:r>
+            <a:r>
+              <a:rPr lang="de-DE" sz="1100" dirty="0"/>
+              <a:t> Backlog in das Sprint Backlog gepackt werden, bis man das Gefühl hat, dass es für die vorgesehene Zeitspanne nicht mehr locker zu schaffen ist.</a:t>
+            </a:r>
+          </a:p>
+          <a:p>
+            <a:pPr algn="just"/>
+            <a:r>
+              <a:rPr lang="de-DE" sz="1100" dirty="0"/>
+              <a:t>Die erste Aufgabe, die Dir zu viel erscheint, solltest Du schon nicht mehr in Dein Sprint Backlog aufnehmen.</a:t>
+            </a:r>
+          </a:p>
+          <a:p>
+            <a:pPr algn="just"/>
+            <a:r>
+              <a:rPr lang="de-DE" sz="1100" dirty="0"/>
+              <a:t>Die Priorisierung des </a:t>
+            </a:r>
+            <a:r>
+              <a:rPr lang="de-DE" sz="1100" dirty="0" err="1"/>
+              <a:t>Product</a:t>
+            </a:r>
+            <a:r>
+              <a:rPr lang="de-DE" sz="1100" dirty="0"/>
+              <a:t> </a:t>
+            </a:r>
+            <a:r>
+              <a:rPr lang="de-DE" sz="1100" dirty="0" err="1"/>
+              <a:t>Backlogs</a:t>
+            </a:r>
+            <a:r>
+              <a:rPr lang="de-DE" sz="1100" dirty="0"/>
+              <a:t> bleibt auch im Sprint </a:t>
+            </a:r>
+            <a:r>
+              <a:rPr lang="de-DE" sz="1100" dirty="0" err="1"/>
+              <a:t>Backlog</a:t>
+            </a:r>
+            <a:r>
+              <a:rPr lang="de-DE" sz="1100" dirty="0"/>
+              <a:t> erhalten, denn die hoch priorisierten Aufgaben wandern der Reihe nach von oben her ins Sprint </a:t>
+            </a:r>
+            <a:r>
+              <a:rPr lang="de-DE" sz="1100" dirty="0" err="1"/>
+              <a:t>Backlog</a:t>
+            </a:r>
+            <a:r>
+              <a:rPr lang="de-DE" sz="1100" dirty="0"/>
+              <a:t>.</a:t>
+            </a:r>
+          </a:p>
+          <a:p>
+            <a:pPr algn="just"/>
+            <a:r>
+              <a:rPr lang="de-DE" sz="1100" dirty="0"/>
+              <a:t>Wenn nach Ablauf des Sprints bzw. des festgelegten Zeitfensters noch Aufgaben übrig bleiben, wandern die Aufgaben automatisch wieder zurück ins </a:t>
+            </a:r>
+            <a:r>
+              <a:rPr lang="de-DE" sz="1100" dirty="0" err="1"/>
+              <a:t>Product</a:t>
+            </a:r>
+            <a:r>
+              <a:rPr lang="de-DE" sz="1100" dirty="0"/>
+              <a:t> Backlog, wobei die Priorisierung hier zunächst beibehalten wird, jedoch beim „</a:t>
+            </a:r>
+            <a:r>
+              <a:rPr lang="de-DE" sz="1100" dirty="0" err="1"/>
+              <a:t>grooming</a:t>
+            </a:r>
+            <a:r>
+              <a:rPr lang="de-DE" sz="1100" dirty="0"/>
+              <a:t>“ (Galen 2013, S. 81), der Backlog-Pflege (siehe SCR 11), neu geordnet werden kann.</a:t>
+            </a:r>
+          </a:p>
+          <a:p>
+            <a:pPr marL="0" indent="0" algn="just">
+              <a:buNone/>
+            </a:pPr>
+            <a:endParaRPr lang="de-DE" sz="800" dirty="0"/>
+          </a:p>
+          <a:p>
+            <a:pPr marL="0" indent="0">
+              <a:buNone/>
+            </a:pPr>
+            <a:r>
+              <a:rPr lang="de-DE" sz="800" dirty="0"/>
+              <a:t>Quellen:	</a:t>
+            </a:r>
+            <a:r>
+              <a:rPr lang="de-DE" sz="800" b="1" dirty="0"/>
+              <a:t>Galen</a:t>
+            </a:r>
+            <a:r>
+              <a:rPr lang="de-DE" sz="800" dirty="0"/>
+              <a:t>, Robert (2013): SCRUM </a:t>
+            </a:r>
+            <a:r>
+              <a:rPr lang="de-DE" sz="800" dirty="0" err="1"/>
+              <a:t>Product</a:t>
+            </a:r>
+            <a:r>
+              <a:rPr lang="de-DE" sz="800" dirty="0"/>
+              <a:t> Ownership. </a:t>
+            </a:r>
+            <a:r>
+              <a:rPr lang="de-DE" sz="800" dirty="0" err="1"/>
+              <a:t>Balancing</a:t>
+            </a:r>
+            <a:r>
+              <a:rPr lang="de-DE" sz="800" dirty="0"/>
+              <a:t> Value </a:t>
+            </a:r>
+            <a:r>
+              <a:rPr lang="de-DE" sz="800" dirty="0" err="1"/>
+              <a:t>from</a:t>
+            </a:r>
+            <a:r>
+              <a:rPr lang="de-DE" sz="800" dirty="0"/>
+              <a:t> </a:t>
+            </a:r>
+            <a:r>
+              <a:rPr lang="de-DE" sz="800" dirty="0" err="1"/>
+              <a:t>the</a:t>
+            </a:r>
+            <a:r>
+              <a:rPr lang="de-DE" sz="800" dirty="0"/>
+              <a:t> Inside Out. Stories, </a:t>
+            </a:r>
+            <a:r>
+              <a:rPr lang="de-DE" sz="800" dirty="0" err="1"/>
+              <a:t>Ideas</a:t>
+            </a:r>
+            <a:r>
+              <a:rPr lang="de-DE" sz="800" dirty="0"/>
+              <a:t>, </a:t>
+            </a:r>
+            <a:r>
+              <a:rPr lang="de-DE" sz="800" dirty="0" err="1"/>
+              <a:t>Lessons</a:t>
+            </a:r>
+            <a:r>
+              <a:rPr lang="de-DE" sz="800" dirty="0"/>
+              <a:t>, and Practices </a:t>
+            </a:r>
+            <a:br>
+              <a:rPr lang="de-DE" sz="800" dirty="0"/>
+            </a:br>
+            <a:r>
+              <a:rPr lang="de-DE" sz="800" dirty="0"/>
+              <a:t>	     </a:t>
+            </a:r>
+            <a:r>
+              <a:rPr lang="de-DE" sz="800" dirty="0" err="1"/>
+              <a:t>for</a:t>
+            </a:r>
+            <a:r>
+              <a:rPr lang="de-DE" sz="800" dirty="0"/>
+              <a:t> </a:t>
+            </a:r>
+            <a:r>
+              <a:rPr lang="de-DE" sz="800" dirty="0" err="1"/>
+              <a:t>Becoming</a:t>
+            </a:r>
+            <a:r>
+              <a:rPr lang="de-DE" sz="800" dirty="0"/>
+              <a:t> a Great </a:t>
+            </a:r>
+            <a:r>
+              <a:rPr lang="de-DE" sz="800" dirty="0" err="1"/>
+              <a:t>Product</a:t>
+            </a:r>
+            <a:r>
+              <a:rPr lang="de-DE" sz="800" dirty="0"/>
+              <a:t> </a:t>
+            </a:r>
+            <a:r>
+              <a:rPr lang="de-DE" sz="800" dirty="0" err="1"/>
+              <a:t>Owner</a:t>
+            </a:r>
+            <a:r>
+              <a:rPr lang="de-DE" sz="800" dirty="0"/>
+              <a:t>. 2. Auflage. O.O.: RGCG,LLC </a:t>
+            </a:r>
+            <a:br>
+              <a:rPr lang="de-DE" sz="800" dirty="0"/>
+            </a:br>
+            <a:r>
+              <a:rPr lang="de-DE" sz="800" dirty="0"/>
+              <a:t>	</a:t>
+            </a:r>
+            <a:r>
+              <a:rPr lang="de-DE" sz="800" b="1" dirty="0" err="1"/>
+              <a:t>Schwaber</a:t>
+            </a:r>
+            <a:r>
+              <a:rPr lang="de-DE" sz="800" dirty="0"/>
+              <a:t>, Ken/Sutherland, Jeff (2020): Der </a:t>
+            </a:r>
+            <a:r>
+              <a:rPr lang="de-DE" sz="800" dirty="0" err="1"/>
               <a:t>Scrum</a:t>
             </a:r>
             <a:r>
-              <a:rPr lang="de-DE" sz="1200" dirty="0"/>
-              <a:t>" wird zwischen einem "</a:t>
-            </a:r>
-            <a:r>
-              <a:rPr lang="de-DE" sz="1200" dirty="0" err="1"/>
-              <a:t>Product</a:t>
-            </a:r>
-            <a:r>
-              <a:rPr lang="de-DE" sz="1200" dirty="0"/>
-              <a:t> Backlog" und einem "Sprint Backlog" unterschieden, wobei das </a:t>
-            </a:r>
-            <a:r>
-              <a:rPr lang="de-DE" sz="1200" dirty="0" err="1"/>
-              <a:t>Product</a:t>
-            </a:r>
-            <a:r>
-              <a:rPr lang="de-DE" sz="1200" dirty="0"/>
-              <a:t> </a:t>
-            </a:r>
-            <a:r>
-              <a:rPr lang="de-DE" sz="1200" dirty="0" err="1"/>
-              <a:t>Backlog</a:t>
-            </a:r>
-            <a:r>
-              <a:rPr lang="de-DE" sz="1200" dirty="0"/>
-              <a:t> alle Aufgaben umfasst, die gerade aktuell sind und das Sprint </a:t>
-            </a:r>
-            <a:r>
-              <a:rPr lang="de-DE" sz="1200" dirty="0" err="1"/>
-              <a:t>Backlog</a:t>
-            </a:r>
-            <a:r>
-              <a:rPr lang="de-DE" sz="1200" dirty="0"/>
-              <a:t> nur die Aufgaben enthält, die man in einem festgesetzten Zeitfenster </a:t>
-            </a:r>
-            <a:r>
-              <a:rPr lang="de-DE" sz="1200"/>
-              <a:t>(1-4 Wochen</a:t>
-            </a:r>
-            <a:r>
-              <a:rPr lang="de-DE" sz="1200" dirty="0"/>
-              <a:t>) erledigen möchte.</a:t>
-            </a:r>
-          </a:p>
-          <a:p>
-            <a:r>
-              <a:rPr lang="de-DE" sz="1200" dirty="0"/>
-              <a:t>Das Sprint </a:t>
-            </a:r>
-            <a:r>
-              <a:rPr lang="de-DE" sz="1200" dirty="0" err="1"/>
-              <a:t>Backlog</a:t>
-            </a:r>
-            <a:r>
-              <a:rPr lang="de-DE" sz="1200" dirty="0"/>
-              <a:t> wird aus dem </a:t>
-            </a:r>
-            <a:r>
-              <a:rPr lang="de-DE" sz="1200" dirty="0" err="1"/>
-              <a:t>Product</a:t>
-            </a:r>
-            <a:r>
-              <a:rPr lang="de-DE" sz="1200" dirty="0"/>
-              <a:t> </a:t>
-            </a:r>
-            <a:r>
-              <a:rPr lang="de-DE" sz="1200" dirty="0" err="1"/>
-              <a:t>Backlog</a:t>
-            </a:r>
-            <a:r>
-              <a:rPr lang="de-DE" sz="1200" dirty="0"/>
-              <a:t> gespeist, indem so viele Aufgaben vom </a:t>
-            </a:r>
-            <a:r>
-              <a:rPr lang="de-DE" sz="1200" dirty="0" err="1"/>
-              <a:t>Product</a:t>
-            </a:r>
-            <a:r>
-              <a:rPr lang="de-DE" sz="1200" dirty="0"/>
-              <a:t> </a:t>
-            </a:r>
-            <a:r>
-              <a:rPr lang="de-DE" sz="1200" dirty="0" err="1"/>
-              <a:t>Backlog</a:t>
-            </a:r>
-            <a:r>
-              <a:rPr lang="de-DE" sz="1200" dirty="0"/>
-              <a:t> in das Sprint </a:t>
-            </a:r>
-            <a:r>
-              <a:rPr lang="de-DE" sz="1200" dirty="0" err="1"/>
-              <a:t>Backlog</a:t>
-            </a:r>
-            <a:r>
-              <a:rPr lang="de-DE" sz="1200" dirty="0"/>
-              <a:t> gepackt werden, solange man das Gefühl hat, dass es für die vorgesehene Zeitspanne locker zu schaffen ist.</a:t>
-            </a:r>
-          </a:p>
-          <a:p>
-            <a:r>
-              <a:rPr lang="de-DE" sz="1200" dirty="0"/>
-              <a:t>Die erste Aufgabe, die Dir zu viel erscheint, solltest Du schon nicht mehr in Dein Sprint </a:t>
-            </a:r>
-            <a:r>
-              <a:rPr lang="de-DE" sz="1200" dirty="0" err="1"/>
-              <a:t>Backlog</a:t>
-            </a:r>
-            <a:r>
-              <a:rPr lang="de-DE" sz="1200" dirty="0"/>
-              <a:t> mit aufnehmen.</a:t>
-            </a:r>
-          </a:p>
-          <a:p>
-            <a:r>
-              <a:rPr lang="de-DE" sz="1200" dirty="0"/>
-              <a:t>Die Priorisierung des </a:t>
-            </a:r>
-            <a:r>
-              <a:rPr lang="de-DE" sz="1200" dirty="0" err="1"/>
-              <a:t>Product</a:t>
-            </a:r>
-            <a:r>
-              <a:rPr lang="de-DE" sz="1200" dirty="0"/>
-              <a:t> </a:t>
-            </a:r>
-            <a:r>
-              <a:rPr lang="de-DE" sz="1200" dirty="0" err="1"/>
-              <a:t>Backlogs</a:t>
-            </a:r>
-            <a:r>
-              <a:rPr lang="de-DE" sz="1200" dirty="0"/>
-              <a:t> bleibt auch im Sprint </a:t>
-            </a:r>
-            <a:r>
-              <a:rPr lang="de-DE" sz="1200" dirty="0" err="1"/>
-              <a:t>Backlog</a:t>
-            </a:r>
-            <a:r>
-              <a:rPr lang="de-DE" sz="1200" dirty="0"/>
-              <a:t> erhalten, denn die hoch priorisierten Aufgaben wandern der Reihe nach von oben her ins Sprint </a:t>
-            </a:r>
-            <a:r>
-              <a:rPr lang="de-DE" sz="1200" dirty="0" err="1"/>
-              <a:t>Backlog</a:t>
-            </a:r>
-            <a:r>
-              <a:rPr lang="de-DE" sz="1200" dirty="0"/>
-              <a:t>.</a:t>
-            </a:r>
-          </a:p>
-          <a:p>
-            <a:r>
-              <a:rPr lang="de-DE" sz="1200" dirty="0"/>
-              <a:t>Wenn nach Ablauf des Sprints bzw. des festgelegten Zeitfensters noch Aufgaben übrig bleiben, wandern die Aufgaben automatisch wieder zurück ins </a:t>
-            </a:r>
-            <a:r>
-              <a:rPr lang="de-DE" sz="1200" dirty="0" err="1"/>
-              <a:t>Product</a:t>
-            </a:r>
-            <a:r>
-              <a:rPr lang="de-DE" sz="1200" dirty="0"/>
-              <a:t> </a:t>
-            </a:r>
-            <a:r>
-              <a:rPr lang="de-DE" sz="1200" dirty="0" err="1"/>
-              <a:t>Backlog</a:t>
-            </a:r>
-            <a:r>
-              <a:rPr lang="de-DE" sz="1200" dirty="0"/>
-              <a:t>, wobei die Priorisierung auch hier beibehalten wird.</a:t>
-            </a:r>
+              <a:rPr lang="de-DE" sz="800" dirty="0"/>
+              <a:t> Guide. Der gültige Leitfaden für </a:t>
+            </a:r>
+            <a:r>
+              <a:rPr lang="de-DE" sz="800" dirty="0" err="1"/>
+              <a:t>Scrum</a:t>
+            </a:r>
+            <a:r>
+              <a:rPr lang="de-DE" sz="800" dirty="0"/>
+              <a:t>: Die Spielregeln. 	</a:t>
+            </a:r>
+            <a:br>
+              <a:rPr lang="de-DE" sz="800" dirty="0"/>
+            </a:br>
+            <a:r>
+              <a:rPr lang="de-DE" sz="800" dirty="0"/>
+              <a:t>                    http://</a:t>
+            </a:r>
+            <a:r>
+              <a:rPr lang="de-DE" sz="800" dirty="0" err="1"/>
+              <a:t>scrumguides.org</a:t>
+            </a:r>
+            <a:r>
+              <a:rPr lang="de-DE" sz="800" dirty="0"/>
+              <a:t>/</a:t>
+            </a:r>
+            <a:r>
+              <a:rPr lang="de-DE" sz="800" dirty="0" err="1"/>
+              <a:t>docs</a:t>
+            </a:r>
+            <a:r>
+              <a:rPr lang="de-DE" sz="800" dirty="0"/>
+              <a:t>/</a:t>
+            </a:r>
+            <a:r>
+              <a:rPr lang="de-DE" sz="800" dirty="0" err="1"/>
+              <a:t>scrumguide</a:t>
+            </a:r>
+            <a:r>
+              <a:rPr lang="de-DE" sz="800" dirty="0"/>
+              <a:t>/v2020/2020-Scrum-Guide-German.pdf. Abgerufen am 25. Juli 2024</a:t>
+            </a:r>
+          </a:p>
+          <a:p>
+            <a:pPr marL="0" indent="0" algn="just">
+              <a:buNone/>
+            </a:pPr>
+            <a:r>
+              <a:rPr lang="de-DE" sz="1100" dirty="0"/>
+              <a:t>	</a:t>
+            </a:r>
+          </a:p>
+          <a:p>
+            <a:pPr marL="0" indent="0" algn="just">
+              <a:buNone/>
+            </a:pPr>
+            <a:endParaRPr lang="de-DE" sz="1100" dirty="0"/>
           </a:p>
         </p:txBody>
       </p:sp>
@@ -2064,15 +2213,7 @@
             </a:pPr>
             <a:r>
               <a:rPr lang="de-DE" sz="1200" dirty="0"/>
-              <a:t>Fülle in 2 Wochen 2 Mal Dein Sprint </a:t>
-            </a:r>
-            <a:r>
-              <a:rPr lang="de-DE" sz="1200" dirty="0" err="1"/>
-              <a:t>Backlog</a:t>
-            </a:r>
-            <a:r>
-              <a:rPr lang="de-DE" sz="1200" dirty="0"/>
-              <a:t> mit den wichtigsten Aufgaben aus deinem </a:t>
+              <a:t>Fülle in 2 Wochen 2 Mal Dein Sprint Backlog mit den wichtigsten Aufgaben aus Deinem </a:t>
             </a:r>
             <a:r>
               <a:rPr lang="de-DE" sz="1200" dirty="0" err="1"/>
@@ -2080,15 +2221,7 @@
             </a:r>
             <a:r>
               <a:rPr lang="de-DE" sz="1200" dirty="0"/>
-              <a:t> </a:t>
-            </a:r>
-            <a:r>
-              <a:rPr lang="de-DE" sz="1200" dirty="0" err="1"/>
-              <a:t>Backlog</a:t>
-            </a:r>
-            <a:r>
-              <a:rPr lang="de-DE" sz="1200" dirty="0"/>
-              <a:t>.</a:t>
+              <a:t> Backlog.</a:t>
             </a:r>
             <a:br>
               <a:rPr lang="de-DE" sz="1200" dirty="0"/>
